--- a/deliverables/King_County_Housing_Price_Modeling.pptx
+++ b/deliverables/King_County_Housing_Price_Modeling.pptx
@@ -16493,8 +16493,8 @@
         </p:nvSpPr>
         <p:spPr>
           <a:xfrm>
-            <a:off x="1248449" y="1145486"/>
-            <a:ext cx="7363047" cy="3862199"/>
+            <a:off x="1303801" y="1199626"/>
+            <a:ext cx="6976134" cy="3418513"/>
           </a:xfrm>
           <a:prstGeom prst="rect">
             <a:avLst/>
@@ -16520,14 +16520,14 @@
               <a:buNone/>
             </a:pPr>
             <a:r>
-              <a:rPr lang="en" sz="1015" b="1" dirty="0">
+              <a:rPr lang="en" sz="1400" b="1" dirty="0">
                 <a:solidFill>
                   <a:srgbClr val="000000"/>
                 </a:solidFill>
               </a:rPr>
               <a:t>Robust Predictive Model:</a:t>
             </a:r>
-            <a:endParaRPr sz="1015" b="1" dirty="0">
+            <a:endParaRPr sz="1400" b="1" dirty="0">
               <a:solidFill>
                 <a:srgbClr val="000000"/>
               </a:solidFill>
@@ -16536,10 +16536,10 @@
           <a:p>
             <a:pPr marL="457200" lvl="0" indent="-293053" algn="l" rtl="0">
               <a:lnSpc>
-                <a:spcPct val="105000"/>
+                <a:spcPct val="100000"/>
               </a:lnSpc>
               <a:spcBef>
-                <a:spcPts val="1200"/>
+                <a:spcPts val="600"/>
               </a:spcBef>
               <a:spcAft>
                 <a:spcPts val="0"/>
@@ -16552,14 +16552,14 @@
               <a:buChar char="●"/>
             </a:pPr>
             <a:r>
-              <a:rPr lang="en" sz="1015" dirty="0">
+              <a:rPr lang="en" sz="1400" dirty="0">
                 <a:solidFill>
                   <a:srgbClr val="000000"/>
                 </a:solidFill>
               </a:rPr>
               <a:t>Developed Model 5 predicts home value increase based on key features: sqft_living, grade, sqft_above, bathrooms, and bedrooms.</a:t>
             </a:r>
-            <a:endParaRPr sz="1015" dirty="0">
+            <a:endParaRPr sz="1400" dirty="0">
               <a:solidFill>
                 <a:srgbClr val="000000"/>
               </a:solidFill>
@@ -16568,10 +16568,10 @@
           <a:p>
             <a:pPr marL="457200" lvl="0" indent="-293053" algn="l" rtl="0">
               <a:lnSpc>
-                <a:spcPct val="105000"/>
+                <a:spcPct val="100000"/>
               </a:lnSpc>
               <a:spcBef>
-                <a:spcPts val="0"/>
+                <a:spcPts val="600"/>
               </a:spcBef>
               <a:spcAft>
                 <a:spcPts val="0"/>
@@ -16584,14 +16584,14 @@
               <a:buChar char="●"/>
             </a:pPr>
             <a:r>
-              <a:rPr lang="en" sz="1015" dirty="0">
+              <a:rPr lang="en" sz="1400" dirty="0">
                 <a:solidFill>
                   <a:srgbClr val="000000"/>
                 </a:solidFill>
               </a:rPr>
               <a:t>R²: 0.57 on the test set, explaining 57% of the variance in housing prices.</a:t>
             </a:r>
-            <a:endParaRPr sz="1015" dirty="0">
+            <a:endParaRPr sz="1400" dirty="0">
               <a:solidFill>
                 <a:srgbClr val="000000"/>
               </a:solidFill>
@@ -16600,10 +16600,10 @@
           <a:p>
             <a:pPr marL="457200" lvl="0" indent="-293053" algn="l" rtl="0">
               <a:lnSpc>
-                <a:spcPct val="105000"/>
+                <a:spcPct val="100000"/>
               </a:lnSpc>
               <a:spcBef>
-                <a:spcPts val="0"/>
+                <a:spcPts val="600"/>
               </a:spcBef>
               <a:spcAft>
                 <a:spcPts val="0"/>
@@ -16616,14 +16616,21 @@
               <a:buChar char="●"/>
             </a:pPr>
             <a:r>
-              <a:rPr lang="en" sz="1015" dirty="0">
+              <a:rPr lang="en" sz="1400" dirty="0">
                 <a:solidFill>
                   <a:srgbClr val="000000"/>
                 </a:solidFill>
               </a:rPr>
               <a:t>Strategic renovations can substantially increase property value.</a:t>
             </a:r>
-            <a:endParaRPr sz="1015" dirty="0">
+            <a:br>
+              <a:rPr lang="en" sz="1400" dirty="0">
+                <a:solidFill>
+                  <a:srgbClr val="000000"/>
+                </a:solidFill>
+              </a:rPr>
+            </a:br>
+            <a:endParaRPr sz="1400" dirty="0">
               <a:solidFill>
                 <a:srgbClr val="000000"/>
               </a:solidFill>
@@ -16635,7 +16642,7 @@
                 <a:spcPct val="105000"/>
               </a:lnSpc>
               <a:spcBef>
-                <a:spcPts val="1400"/>
+                <a:spcPts val="600"/>
               </a:spcBef>
               <a:spcAft>
                 <a:spcPts val="0"/>
@@ -16644,14 +16651,37 @@
               <a:buNone/>
             </a:pPr>
             <a:r>
-              <a:rPr lang="en" sz="1065" b="1" dirty="0">
+              <a:rPr lang="en" sz="1400" b="1" dirty="0">
                 <a:solidFill>
                   <a:srgbClr val="000000"/>
                 </a:solidFill>
               </a:rPr>
-              <a:t>Recommendations</a:t>
+              <a:t>Recommendations:</a:t>
             </a:r>
-            <a:endParaRPr sz="1065" b="1" dirty="0">
+          </a:p>
+          <a:p>
+            <a:pPr marL="0" lvl="0" indent="0" algn="l" rtl="0">
+              <a:lnSpc>
+                <a:spcPct val="105000"/>
+              </a:lnSpc>
+              <a:spcBef>
+                <a:spcPts val="600"/>
+              </a:spcBef>
+              <a:spcAft>
+                <a:spcPts val="0"/>
+              </a:spcAft>
+              <a:buSzPts val="275"/>
+              <a:buNone/>
+            </a:pPr>
+            <a:r>
+              <a:rPr lang="en" sz="1400" dirty="0">
+                <a:solidFill>
+                  <a:srgbClr val="000000"/>
+                </a:solidFill>
+              </a:rPr>
+              <a:t>Use Model to:</a:t>
+            </a:r>
+            <a:endParaRPr sz="1400" dirty="0">
               <a:solidFill>
                 <a:srgbClr val="000000"/>
               </a:solidFill>
@@ -16660,10 +16690,10 @@
           <a:p>
             <a:pPr marL="457200" lvl="0" indent="-293053" algn="l" rtl="0">
               <a:lnSpc>
-                <a:spcPct val="105000"/>
+                <a:spcPct val="100000"/>
               </a:lnSpc>
               <a:spcBef>
-                <a:spcPts val="1200"/>
+                <a:spcPts val="600"/>
               </a:spcBef>
               <a:spcAft>
                 <a:spcPts val="0"/>
@@ -16676,29 +16706,41 @@
               <a:buAutoNum type="arabicPeriod"/>
             </a:pPr>
             <a:r>
-              <a:rPr lang="en" sz="1015" b="1" dirty="0">
+              <a:rPr lang="en" sz="1400" dirty="0">
                 <a:solidFill>
                   <a:srgbClr val="000000"/>
                 </a:solidFill>
               </a:rPr>
-              <a:t>Focus on High-Impact Renovations: </a:t>
+              <a:t>Focus on High-Impact Renovations.</a:t>
             </a:r>
+          </a:p>
+          <a:p>
+            <a:pPr marL="457200" lvl="0" indent="-293053" algn="l" rtl="0">
+              <a:lnSpc>
+                <a:spcPct val="100000"/>
+              </a:lnSpc>
+              <a:spcBef>
+                <a:spcPts val="600"/>
+              </a:spcBef>
+              <a:spcAft>
+                <a:spcPts val="0"/>
+              </a:spcAft>
+              <a:buClr>
+                <a:srgbClr val="000000"/>
+              </a:buClr>
+              <a:buSzPts val="1015"/>
+              <a:buFont typeface="Nunito"/>
+              <a:buAutoNum type="arabicPeriod"/>
+            </a:pPr>
             <a:r>
-              <a:rPr lang="en" sz="1015" dirty="0">
+              <a:rPr lang="en" sz="1400" dirty="0">
                 <a:solidFill>
                   <a:srgbClr val="000000"/>
                 </a:solidFill>
               </a:rPr>
-              <a:t>Prioritize increasing living area, improving construction quality, and adding functional spaces (bathrooms and bedrooms).</a:t>
+              <a:t>Provide data-driven Client Consultations.</a:t>
             </a:r>
-            <a:br>
-              <a:rPr lang="en" sz="1015" dirty="0">
-                <a:solidFill>
-                  <a:srgbClr val="000000"/>
-                </a:solidFill>
-              </a:rPr>
-            </a:br>
-            <a:endParaRPr sz="1015" dirty="0">
+            <a:endParaRPr sz="1400" dirty="0">
               <a:solidFill>
                 <a:srgbClr val="000000"/>
               </a:solidFill>
@@ -16707,10 +16749,10 @@
           <a:p>
             <a:pPr marL="457200" lvl="0" indent="-293053" algn="l" rtl="0">
               <a:lnSpc>
-                <a:spcPct val="105000"/>
+                <a:spcPct val="100000"/>
               </a:lnSpc>
               <a:spcBef>
-                <a:spcPts val="0"/>
+                <a:spcPts val="600"/>
               </a:spcBef>
               <a:spcAft>
                 <a:spcPts val="0"/>
@@ -16723,148 +16765,14 @@
               <a:buAutoNum type="arabicPeriod"/>
             </a:pPr>
             <a:r>
-              <a:rPr lang="en" sz="1015" b="1" dirty="0">
+              <a:rPr lang="en" sz="1400" dirty="0">
                 <a:solidFill>
                   <a:srgbClr val="000000"/>
                 </a:solidFill>
               </a:rPr>
-              <a:t>Use the Predictive Model for Client Consultations:</a:t>
+              <a:t>Develop Property Marketing Strategies.</a:t>
             </a:r>
-            <a:r>
-              <a:rPr lang="en" sz="1015" dirty="0">
-                <a:solidFill>
-                  <a:srgbClr val="000000"/>
-                </a:solidFill>
-              </a:rPr>
-              <a:t> Provide data-driven estimates of potential home value increases from specific renovations to help homeowners make informed decisions.</a:t>
-            </a:r>
-            <a:br>
-              <a:rPr lang="en" sz="1015" dirty="0">
-                <a:solidFill>
-                  <a:srgbClr val="000000"/>
-                </a:solidFill>
-              </a:rPr>
-            </a:br>
-            <a:endParaRPr sz="1015" dirty="0">
-              <a:solidFill>
-                <a:srgbClr val="000000"/>
-              </a:solidFill>
-            </a:endParaRPr>
-          </a:p>
-          <a:p>
-            <a:pPr marL="457200" lvl="0" indent="-293053" algn="l" rtl="0">
-              <a:lnSpc>
-                <a:spcPct val="105000"/>
-              </a:lnSpc>
-              <a:spcBef>
-                <a:spcPts val="0"/>
-              </a:spcBef>
-              <a:spcAft>
-                <a:spcPts val="0"/>
-              </a:spcAft>
-              <a:buClr>
-                <a:srgbClr val="000000"/>
-              </a:buClr>
-              <a:buSzPts val="1015"/>
-              <a:buFont typeface="Nunito"/>
-              <a:buAutoNum type="arabicPeriod"/>
-            </a:pPr>
-            <a:r>
-              <a:rPr lang="en" sz="1015" b="1" dirty="0">
-                <a:solidFill>
-                  <a:srgbClr val="000000"/>
-                </a:solidFill>
-              </a:rPr>
-              <a:t>Market Insights: </a:t>
-            </a:r>
-            <a:r>
-              <a:rPr lang="en" sz="1015" dirty="0">
-                <a:solidFill>
-                  <a:srgbClr val="000000"/>
-                </a:solidFill>
-              </a:rPr>
-              <a:t>Identify market trends and desirable property features to better position properties and tailor marketing strategies.</a:t>
-            </a:r>
-            <a:endParaRPr sz="1015" dirty="0">
-              <a:solidFill>
-                <a:srgbClr val="000000"/>
-              </a:solidFill>
-            </a:endParaRPr>
-          </a:p>
-          <a:p>
-            <a:pPr marL="0" lvl="0" indent="0" algn="l" rtl="0">
-              <a:lnSpc>
-                <a:spcPct val="105000"/>
-              </a:lnSpc>
-              <a:spcBef>
-                <a:spcPts val="1200"/>
-              </a:spcBef>
-              <a:spcAft>
-                <a:spcPts val="0"/>
-              </a:spcAft>
-              <a:buSzPts val="275"/>
-              <a:buNone/>
-            </a:pPr>
-            <a:r>
-              <a:rPr lang="en" sz="1015" b="1" dirty="0">
-                <a:solidFill>
-                  <a:srgbClr val="000000"/>
-                </a:solidFill>
-              </a:rPr>
-              <a:t>Outcome: </a:t>
-            </a:r>
-            <a:endParaRPr sz="1015" b="1" dirty="0">
-              <a:solidFill>
-                <a:srgbClr val="000000"/>
-              </a:solidFill>
-            </a:endParaRPr>
-          </a:p>
-          <a:p>
-            <a:pPr marL="457200" lvl="0" indent="-293053" algn="l" rtl="0">
-              <a:lnSpc>
-                <a:spcPct val="105000"/>
-              </a:lnSpc>
-              <a:spcBef>
-                <a:spcPts val="1200"/>
-              </a:spcBef>
-              <a:spcAft>
-                <a:spcPts val="0"/>
-              </a:spcAft>
-              <a:buClr>
-                <a:srgbClr val="000000"/>
-              </a:buClr>
-              <a:buSzPts val="1015"/>
-              <a:buChar char="●"/>
-            </a:pPr>
-            <a:r>
-              <a:rPr lang="en" sz="1015" dirty="0">
-                <a:solidFill>
-                  <a:srgbClr val="000000"/>
-                </a:solidFill>
-              </a:rPr>
-              <a:t>Leveraging the model enhances client satisfaction and strengthens the agency's reputation as a knowledgeable and reliable real estate advisor.</a:t>
-            </a:r>
-            <a:endParaRPr sz="1015" dirty="0">
-              <a:solidFill>
-                <a:srgbClr val="000000"/>
-              </a:solidFill>
-            </a:endParaRPr>
-          </a:p>
-          <a:p>
-            <a:pPr marL="0" lvl="0" indent="0" algn="l" rtl="0">
-              <a:lnSpc>
-                <a:spcPct val="105000"/>
-              </a:lnSpc>
-              <a:spcBef>
-                <a:spcPts val="1200"/>
-              </a:spcBef>
-              <a:spcAft>
-                <a:spcPts val="1200"/>
-              </a:spcAft>
-              <a:buSzPts val="275"/>
-              <a:buNone/>
-            </a:pPr>
-            <a:endParaRPr sz="225" dirty="0"/>
+            <a:endParaRPr sz="1400" dirty="0"/>
           </a:p>
         </p:txBody>
       </p:sp>
@@ -16966,8 +16874,8 @@
               <a:buNone/>
             </a:pPr>
             <a:r>
-              <a:rPr lang="en" dirty="0"/>
-              <a:t>Thank You!</a:t>
+              <a:rPr lang="en-US" dirty="0"/>
+              <a:t>Questions?</a:t>
             </a:r>
             <a:endParaRPr dirty="0"/>
           </a:p>
@@ -17130,6 +17038,10 @@
               </a:spcAft>
               <a:buNone/>
             </a:pPr>
+            <a:r>
+              <a:rPr lang="en" sz="2000" dirty="0"/>
+              <a:t>Thank You!</a:t>
+            </a:r>
             <a:endParaRPr sz="2000" dirty="0"/>
           </a:p>
         </p:txBody>
@@ -17251,7 +17163,7 @@
         </p:nvSpPr>
         <p:spPr>
           <a:xfrm>
-            <a:off x="1303800" y="1278262"/>
+            <a:off x="1266049" y="1277203"/>
             <a:ext cx="6309654" cy="3655514"/>
           </a:xfrm>
           <a:prstGeom prst="rect">
@@ -17500,7 +17412,15 @@
                 <a:cs typeface="Nunito Medium"/>
                 <a:sym typeface="Nunito Medium"/>
               </a:rPr>
-              <a:t>Enable homeowners to make data-driven decisions.</a:t>
+              <a:t>Robust Predictive Model: </a:t>
+            </a:r>
+            <a:r>
+              <a:rPr lang="en" sz="1400" dirty="0">
+                <a:solidFill>
+                  <a:srgbClr val="000000"/>
+                </a:solidFill>
+              </a:rPr>
+              <a:t>R²: 0.57 on the test set, explaining 57% of the variance in housing prices.</a:t>
             </a:r>
             <a:endParaRPr sz="1400" dirty="0">
               <a:solidFill>
@@ -17513,7 +17433,10 @@
             </a:endParaRPr>
           </a:p>
           <a:p>
-            <a:pPr marL="457200" lvl="0" indent="-302325" algn="l" rtl="0">
+            <a:pPr marL="457200" lvl="0" indent="-293053" algn="l" rtl="0">
+              <a:lnSpc>
+                <a:spcPct val="105000"/>
+              </a:lnSpc>
               <a:spcBef>
                 <a:spcPts val="600"/>
               </a:spcBef>
@@ -17523,31 +17446,18 @@
               <a:buClr>
                 <a:srgbClr val="000000"/>
               </a:buClr>
-              <a:buSzPts val="1161"/>
-              <a:buFont typeface="Nunito Medium"/>
+              <a:buSzPts val="1015"/>
+              <a:buFont typeface="Nunito"/>
               <a:buChar char="●"/>
             </a:pPr>
             <a:r>
-              <a:rPr lang="en" sz="1400" dirty="0">
+              <a:rPr lang="en-US" sz="1400" dirty="0">
                 <a:solidFill>
                   <a:srgbClr val="000000"/>
                 </a:solidFill>
-                <a:latin typeface="Nunito" pitchFamily="2" charset="0"/>
-                <a:ea typeface="Nunito Medium"/>
-                <a:cs typeface="Nunito Medium"/>
-                <a:sym typeface="Nunito Medium"/>
               </a:rPr>
-              <a:t>Help real estate agents provide expert advice to clients.</a:t>
+              <a:t>Strategic renovations can substantially increase property value.</a:t>
             </a:r>
-            <a:endParaRPr sz="1400" dirty="0">
-              <a:solidFill>
-                <a:srgbClr val="000000"/>
-              </a:solidFill>
-              <a:latin typeface="Nunito" pitchFamily="2" charset="0"/>
-              <a:ea typeface="Nunito Medium"/>
-              <a:cs typeface="Nunito Medium"/>
-              <a:sym typeface="Nunito Medium"/>
-            </a:endParaRPr>
           </a:p>
           <a:p>
             <a:pPr marL="0" lvl="0" indent="0" algn="l" rtl="0">
@@ -19244,8 +19154,8 @@
         </p:nvSpPr>
         <p:spPr>
           <a:xfrm>
-            <a:off x="1386927" y="1293668"/>
-            <a:ext cx="7429760" cy="3579669"/>
+            <a:off x="1303800" y="1188472"/>
+            <a:ext cx="7496026" cy="3827811"/>
           </a:xfrm>
           <a:prstGeom prst="rect">
             <a:avLst/>
@@ -19341,22 +19251,17 @@
             </a:endParaRPr>
           </a:p>
           <a:p>
-            <a:pPr marL="457200" lvl="0" indent="-297656" algn="l" rtl="0">
+            <a:pPr marL="445294" indent="-285750">
               <a:lnSpc>
                 <a:spcPct val="95000"/>
               </a:lnSpc>
               <a:spcBef>
                 <a:spcPts val="1200"/>
               </a:spcBef>
-              <a:spcAft>
-                <a:spcPts val="0"/>
-              </a:spcAft>
               <a:buClr>
                 <a:srgbClr val="000000"/>
               </a:buClr>
               <a:buSzPts val="1088"/>
-              <a:buFont typeface="Arial"/>
-              <a:buChar char="●"/>
             </a:pPr>
             <a:r>
               <a:rPr lang="en" sz="1400" dirty="0">
@@ -19370,33 +19275,19 @@
               </a:rPr>
               <a:t>Built four models without addressing outliers, multicollinearity, or scaling.</a:t>
             </a:r>
-            <a:endParaRPr sz="1400" dirty="0">
-              <a:solidFill>
-                <a:srgbClr val="000000"/>
-              </a:solidFill>
-              <a:latin typeface="Nunito" pitchFamily="2" charset="0"/>
-              <a:ea typeface="Arial"/>
-              <a:cs typeface="Arial"/>
-              <a:sym typeface="Arial"/>
-            </a:endParaRPr>
           </a:p>
           <a:p>
-            <a:pPr marL="457200" lvl="0" indent="-297656" algn="l" rtl="0">
+            <a:pPr marL="445294" indent="-285750">
               <a:lnSpc>
                 <a:spcPct val="95000"/>
               </a:lnSpc>
               <a:spcBef>
-                <a:spcPts val="0"/>
-              </a:spcBef>
-              <a:spcAft>
-                <a:spcPts val="0"/>
-              </a:spcAft>
+                <a:spcPts val="1200"/>
+              </a:spcBef>
               <a:buClr>
                 <a:srgbClr val="000000"/>
               </a:buClr>
               <a:buSzPts val="1088"/>
-              <a:buFont typeface="Arial"/>
-              <a:buChar char="●"/>
             </a:pPr>
             <a:r>
               <a:rPr lang="en" sz="1400" dirty="0">
@@ -19410,36 +19301,23 @@
               </a:rPr>
               <a:t>Best initial model (Model 4) included features: sqft_living, grade, bathrooms, sqft_above.</a:t>
             </a:r>
-            <a:endParaRPr sz="1400" dirty="0">
-              <a:solidFill>
-                <a:srgbClr val="000000"/>
-              </a:solidFill>
-              <a:latin typeface="Nunito" pitchFamily="2" charset="0"/>
-              <a:ea typeface="Arial"/>
-              <a:cs typeface="Arial"/>
-              <a:sym typeface="Arial"/>
-            </a:endParaRPr>
           </a:p>
           <a:p>
-            <a:pPr marL="914400" lvl="1" indent="-297656" algn="l" rtl="0">
+            <a:pPr marL="0" indent="0">
               <a:lnSpc>
                 <a:spcPct val="95000"/>
               </a:lnSpc>
               <a:spcBef>
-                <a:spcPts val="0"/>
-              </a:spcBef>
-              <a:spcAft>
-                <a:spcPts val="0"/>
-              </a:spcAft>
+                <a:spcPts val="1200"/>
+              </a:spcBef>
               <a:buClr>
                 <a:srgbClr val="000000"/>
               </a:buClr>
               <a:buSzPts val="1088"/>
-              <a:buFont typeface="Arial"/>
-              <a:buChar char="○"/>
+              <a:buNone/>
             </a:pPr>
             <a:r>
-              <a:rPr lang="en" sz="1400" b="1" dirty="0">
+              <a:rPr lang="en-US" sz="1400" b="1" dirty="0">
                 <a:solidFill>
                   <a:srgbClr val="000000"/>
                 </a:solidFill>
@@ -19448,38 +19326,10 @@
                 <a:cs typeface="Arial"/>
                 <a:sym typeface="Arial"/>
               </a:rPr>
-              <a:t>Metrics:</a:t>
+              <a:t>Refinements: a) </a:t>
             </a:r>
-            <a:endParaRPr sz="1400" b="1" dirty="0">
-              <a:solidFill>
-                <a:srgbClr val="000000"/>
-              </a:solidFill>
-              <a:latin typeface="Nunito" pitchFamily="2" charset="0"/>
-              <a:ea typeface="Arial"/>
-              <a:cs typeface="Arial"/>
-              <a:sym typeface="Arial"/>
-            </a:endParaRPr>
-          </a:p>
-          <a:p>
-            <a:pPr marL="1371600" lvl="2" indent="-297656" algn="l" rtl="0">
-              <a:lnSpc>
-                <a:spcPct val="95000"/>
-              </a:lnSpc>
-              <a:spcBef>
-                <a:spcPts val="0"/>
-              </a:spcBef>
-              <a:spcAft>
-                <a:spcPts val="0"/>
-              </a:spcAft>
-              <a:buClr>
-                <a:srgbClr val="000000"/>
-              </a:buClr>
-              <a:buSzPts val="1088"/>
-              <a:buFont typeface="Arial"/>
-              <a:buChar char="■"/>
-            </a:pPr>
             <a:r>
-              <a:rPr lang="en" sz="1400" dirty="0">
+              <a:rPr lang="en-US" sz="1400" dirty="0">
                 <a:solidFill>
                   <a:srgbClr val="000000"/>
                 </a:solidFill>
@@ -19488,38 +19338,10 @@
                 <a:cs typeface="Arial"/>
                 <a:sym typeface="Arial"/>
               </a:rPr>
-              <a:t>MAE: 129,160</a:t>
+              <a:t>Addressed outliers by capping, improving metrics significantly;                  </a:t>
             </a:r>
-            <a:endParaRPr sz="1400" dirty="0">
-              <a:solidFill>
-                <a:srgbClr val="000000"/>
-              </a:solidFill>
-              <a:latin typeface="Nunito" pitchFamily="2" charset="0"/>
-              <a:ea typeface="Arial"/>
-              <a:cs typeface="Arial"/>
-              <a:sym typeface="Arial"/>
-            </a:endParaRPr>
-          </a:p>
-          <a:p>
-            <a:pPr marL="1371600" lvl="2" indent="-297656" algn="l" rtl="0">
-              <a:lnSpc>
-                <a:spcPct val="95000"/>
-              </a:lnSpc>
-              <a:spcBef>
-                <a:spcPts val="0"/>
-              </a:spcBef>
-              <a:spcAft>
-                <a:spcPts val="0"/>
-              </a:spcAft>
-              <a:buClr>
-                <a:srgbClr val="000000"/>
-              </a:buClr>
-              <a:buSzPts val="1088"/>
-              <a:buFont typeface="Arial"/>
-              <a:buChar char="■"/>
-            </a:pPr>
             <a:r>
-              <a:rPr lang="en" sz="1400" dirty="0">
+              <a:rPr lang="en-US" sz="1400" b="1" dirty="0">
                 <a:solidFill>
                   <a:srgbClr val="000000"/>
                 </a:solidFill>
@@ -19528,38 +19350,10 @@
                 <a:cs typeface="Arial"/>
                 <a:sym typeface="Arial"/>
               </a:rPr>
-              <a:t>MSE: 27,242,617,861</a:t>
+              <a:t>b) </a:t>
             </a:r>
-            <a:endParaRPr sz="1400" dirty="0">
-              <a:solidFill>
-                <a:srgbClr val="000000"/>
-              </a:solidFill>
-              <a:latin typeface="Nunito" pitchFamily="2" charset="0"/>
-              <a:ea typeface="Arial"/>
-              <a:cs typeface="Arial"/>
-              <a:sym typeface="Arial"/>
-            </a:endParaRPr>
-          </a:p>
-          <a:p>
-            <a:pPr marL="1371600" lvl="2" indent="-297656" algn="l" rtl="0">
-              <a:lnSpc>
-                <a:spcPct val="95000"/>
-              </a:lnSpc>
-              <a:spcBef>
-                <a:spcPts val="0"/>
-              </a:spcBef>
-              <a:spcAft>
-                <a:spcPts val="0"/>
-              </a:spcAft>
-              <a:buClr>
-                <a:srgbClr val="000000"/>
-              </a:buClr>
-              <a:buSzPts val="1088"/>
-              <a:buFont typeface="Arial"/>
-              <a:buChar char="■"/>
-            </a:pPr>
             <a:r>
-              <a:rPr lang="en" sz="1400" dirty="0">
+              <a:rPr lang="en-US" sz="1400" dirty="0">
                 <a:solidFill>
                   <a:srgbClr val="000000"/>
                 </a:solidFill>
@@ -19568,9 +19362,51 @@
                 <a:cs typeface="Arial"/>
                 <a:sym typeface="Arial"/>
               </a:rPr>
-              <a:t>R²: 0.560</a:t>
+              <a:t>Multicollinearity addressed by dropping sqft_above but it didn’t enhance performance;  </a:t>
             </a:r>
-            <a:endParaRPr sz="1400" dirty="0">
+            <a:r>
+              <a:rPr lang="en-US" sz="1400" b="1" dirty="0">
+                <a:solidFill>
+                  <a:srgbClr val="000000"/>
+                </a:solidFill>
+                <a:latin typeface="Nunito" pitchFamily="2" charset="0"/>
+                <a:ea typeface="Arial"/>
+                <a:cs typeface="Arial"/>
+                <a:sym typeface="Arial"/>
+              </a:rPr>
+              <a:t>c)</a:t>
+            </a:r>
+            <a:r>
+              <a:rPr lang="en-US" sz="1400" dirty="0">
+                <a:solidFill>
+                  <a:srgbClr val="000000"/>
+                </a:solidFill>
+                <a:latin typeface="Nunito" pitchFamily="2" charset="0"/>
+                <a:ea typeface="Arial"/>
+                <a:cs typeface="Arial"/>
+                <a:sym typeface="Arial"/>
+              </a:rPr>
+              <a:t> Scaling predictors had no significant impact.</a:t>
+            </a:r>
+          </a:p>
+          <a:p>
+            <a:pPr marL="159544" lvl="0" indent="0" algn="l" rtl="0">
+              <a:lnSpc>
+                <a:spcPct val="95000"/>
+              </a:lnSpc>
+              <a:spcBef>
+                <a:spcPts val="0"/>
+              </a:spcBef>
+              <a:spcAft>
+                <a:spcPts val="0"/>
+              </a:spcAft>
+              <a:buClr>
+                <a:srgbClr val="000000"/>
+              </a:buClr>
+              <a:buSzPts val="1088"/>
+              <a:buNone/>
+            </a:pPr>
+            <a:endParaRPr lang="en" sz="1400" dirty="0">
               <a:solidFill>
                 <a:srgbClr val="000000"/>
               </a:solidFill>
@@ -19586,12 +19422,15 @@
                 <a:spcPct val="95000"/>
               </a:lnSpc>
               <a:spcBef>
-                <a:spcPts val="1200"/>
-              </a:spcBef>
-              <a:spcAft>
-                <a:spcPts val="0"/>
-              </a:spcAft>
-              <a:buSzPts val="688"/>
+                <a:spcPts val="0"/>
+              </a:spcBef>
+              <a:spcAft>
+                <a:spcPts val="0"/>
+              </a:spcAft>
+              <a:buClr>
+                <a:srgbClr val="000000"/>
+              </a:buClr>
+              <a:buSzPts val="1088"/>
               <a:buNone/>
             </a:pPr>
             <a:r>
@@ -19604,7 +19443,7 @@
                 <a:cs typeface="Arial"/>
                 <a:sym typeface="Arial"/>
               </a:rPr>
-              <a:t>Refinements:</a:t>
+              <a:t>Metrics for Model 4:</a:t>
             </a:r>
             <a:endParaRPr sz="1400" b="1" dirty="0">
               <a:solidFill>
@@ -19617,121 +19456,88 @@
             </a:endParaRPr>
           </a:p>
           <a:p>
-            <a:pPr marL="457200" lvl="0" indent="-297656" algn="l" rtl="0">
-              <a:lnSpc>
-                <a:spcPct val="95000"/>
-              </a:lnSpc>
-              <a:spcBef>
-                <a:spcPts val="1200"/>
-              </a:spcBef>
-              <a:spcAft>
-                <a:spcPts val="0"/>
-              </a:spcAft>
+            <a:pPr indent="-298450">
               <a:buClr>
                 <a:srgbClr val="000000"/>
               </a:buClr>
-              <a:buSzPts val="1088"/>
+              <a:buSzPts val="1100"/>
               <a:buFont typeface="Arial"/>
-              <a:buChar char="●"/>
+              <a:buChar char="○"/>
             </a:pPr>
             <a:r>
-              <a:rPr lang="en" sz="1400" dirty="0">
+              <a:rPr lang="en" sz="1600" dirty="0">
                 <a:solidFill>
                   <a:srgbClr val="000000"/>
                 </a:solidFill>
                 <a:latin typeface="Nunito" pitchFamily="2" charset="0"/>
-                <a:ea typeface="Arial"/>
                 <a:cs typeface="Arial"/>
                 <a:sym typeface="Arial"/>
               </a:rPr>
-              <a:t>Addressed outliers by capping, improving metrics significantly.</a:t>
+              <a:t>MAE: 129,160</a:t>
             </a:r>
-            <a:endParaRPr sz="1400" dirty="0">
+            <a:endParaRPr sz="1600" dirty="0">
               <a:solidFill>
                 <a:srgbClr val="000000"/>
               </a:solidFill>
               <a:latin typeface="Nunito" pitchFamily="2" charset="0"/>
-              <a:ea typeface="Arial"/>
               <a:cs typeface="Arial"/>
               <a:sym typeface="Arial"/>
             </a:endParaRPr>
           </a:p>
           <a:p>
-            <a:pPr marL="457200" lvl="0" indent="-297656" algn="l" rtl="0">
-              <a:lnSpc>
-                <a:spcPct val="95000"/>
-              </a:lnSpc>
-              <a:spcBef>
-                <a:spcPts val="0"/>
-              </a:spcBef>
-              <a:spcAft>
-                <a:spcPts val="0"/>
-              </a:spcAft>
+            <a:pPr indent="-298450">
               <a:buClr>
                 <a:srgbClr val="000000"/>
               </a:buClr>
-              <a:buSzPts val="1088"/>
+              <a:buSzPts val="1100"/>
               <a:buFont typeface="Arial"/>
-              <a:buChar char="●"/>
+              <a:buChar char="○"/>
             </a:pPr>
             <a:r>
-              <a:rPr lang="en" sz="1400" dirty="0">
+              <a:rPr lang="en" sz="1600" dirty="0">
                 <a:solidFill>
                   <a:srgbClr val="000000"/>
                 </a:solidFill>
                 <a:latin typeface="Nunito" pitchFamily="2" charset="0"/>
-                <a:ea typeface="Arial"/>
                 <a:cs typeface="Arial"/>
                 <a:sym typeface="Arial"/>
               </a:rPr>
-              <a:t>Multicollinearity addressed, but dropping sqft_above did not enhance performance.</a:t>
+              <a:t>MSE: 27,242,617,861</a:t>
             </a:r>
-            <a:endParaRPr sz="1400" dirty="0">
+            <a:endParaRPr sz="1600" dirty="0">
               <a:solidFill>
                 <a:srgbClr val="000000"/>
               </a:solidFill>
               <a:latin typeface="Nunito" pitchFamily="2" charset="0"/>
-              <a:ea typeface="Arial"/>
               <a:cs typeface="Arial"/>
               <a:sym typeface="Arial"/>
             </a:endParaRPr>
           </a:p>
           <a:p>
-            <a:pPr marL="457200" lvl="0" indent="-297656" algn="l" rtl="0">
-              <a:lnSpc>
-                <a:spcPct val="95000"/>
-              </a:lnSpc>
-              <a:spcBef>
-                <a:spcPts val="0"/>
-              </a:spcBef>
-              <a:spcAft>
-                <a:spcPts val="0"/>
-              </a:spcAft>
+            <a:pPr indent="-298450">
               <a:buClr>
                 <a:srgbClr val="000000"/>
               </a:buClr>
-              <a:buSzPts val="1088"/>
+              <a:buSzPts val="1100"/>
               <a:buFont typeface="Arial"/>
-              <a:buChar char="●"/>
+              <a:buChar char="○"/>
             </a:pPr>
             <a:r>
-              <a:rPr lang="en" sz="1400" dirty="0">
+              <a:rPr lang="en" sz="1600" dirty="0">
                 <a:solidFill>
                   <a:srgbClr val="000000"/>
                 </a:solidFill>
                 <a:latin typeface="Nunito" pitchFamily="2" charset="0"/>
-                <a:ea typeface="Arial"/>
                 <a:cs typeface="Arial"/>
                 <a:sym typeface="Arial"/>
               </a:rPr>
-              <a:t>Scaling predictors had no significant impact.</a:t>
+              <a:t>R²: 0.560</a:t>
             </a:r>
-            <a:endParaRPr sz="1400" dirty="0">
+            <a:endParaRPr sz="1600" dirty="0">
               <a:solidFill>
                 <a:srgbClr val="000000"/>
               </a:solidFill>
               <a:latin typeface="Nunito" pitchFamily="2" charset="0"/>
-              <a:ea typeface="Arial"/>
               <a:cs typeface="Arial"/>
               <a:sym typeface="Arial"/>
             </a:endParaRPr>
@@ -19968,7 +19774,7 @@
             </a:pPr>
             <a:r>
               <a:rPr lang="en" sz="1000" dirty="0"/>
-              <a:t>Residuals show a curved pattern, violating linearity. Q-Q plot and histogram indicate deviations from normality, suggesting outliers or skewness. To address this, we log-transformed the dependent variable, scaled predictors, removed outliers, and included bedrooms (correlation with price: 0.31) as additional feature to see if model improves.</a:t>
+              <a:t>Residuals show a curved pattern, violating linearity. Q-Q plot and histogram indicate deviations from normality, suggesting outliers or skewness. </a:t>
             </a:r>
             <a:endParaRPr sz="1000" dirty="0"/>
           </a:p>
@@ -20123,32 +19929,18 @@
                 <a:cs typeface="Arial"/>
                 <a:sym typeface="Arial"/>
               </a:rPr>
-              <a:t>Best-Performing Model:</a:t>
+              <a:t>Model 5:</a:t>
             </a:r>
-            <a:endParaRPr sz="1400" b="1" dirty="0">
-              <a:solidFill>
-                <a:srgbClr val="000000"/>
-              </a:solidFill>
-              <a:latin typeface="Nunito" pitchFamily="2" charset="0"/>
-              <a:ea typeface="Arial"/>
-              <a:cs typeface="Arial"/>
-              <a:sym typeface="Arial"/>
-            </a:endParaRPr>
           </a:p>
           <a:p>
-            <a:pPr marL="457200" lvl="0" indent="-298450" algn="l" rtl="0">
+            <a:pPr marL="0" lvl="0" indent="0" algn="l" rtl="0">
               <a:spcBef>
                 <a:spcPts val="1200"/>
               </a:spcBef>
               <a:spcAft>
                 <a:spcPts val="0"/>
               </a:spcAft>
-              <a:buClr>
-                <a:srgbClr val="000000"/>
-              </a:buClr>
-              <a:buSzPts val="1100"/>
-              <a:buFont typeface="Arial"/>
-              <a:buChar char="●"/>
+              <a:buNone/>
             </a:pPr>
             <a:r>
               <a:rPr lang="en" sz="1400" dirty="0">
@@ -20156,39 +19948,9 @@
                   <a:srgbClr val="000000"/>
                 </a:solidFill>
                 <a:latin typeface="Nunito" pitchFamily="2" charset="0"/>
-                <a:ea typeface="Arial"/>
                 <a:cs typeface="Arial"/>
-                <a:sym typeface="Arial"/>
               </a:rPr>
-              <a:t>Iteration 2 of Model 4 showed initial diagnosis violations of linearity and normality.</a:t>
-            </a:r>
-          </a:p>
-          <a:p>
-            <a:pPr marL="457200" lvl="0" indent="-298450" algn="l" rtl="0">
-              <a:spcBef>
-                <a:spcPts val="0"/>
-              </a:spcBef>
-              <a:spcAft>
-                <a:spcPts val="0"/>
-              </a:spcAft>
-              <a:buClr>
-                <a:srgbClr val="000000"/>
-              </a:buClr>
-              <a:buSzPts val="1100"/>
-              <a:buFont typeface="Arial"/>
-              <a:buChar char="●"/>
-            </a:pPr>
-            <a:r>
-              <a:rPr lang="en" sz="1400" dirty="0">
-                <a:solidFill>
-                  <a:srgbClr val="000000"/>
-                </a:solidFill>
-                <a:latin typeface="Nunito" pitchFamily="2" charset="0"/>
-                <a:ea typeface="Arial"/>
-                <a:cs typeface="Arial"/>
-                <a:sym typeface="Arial"/>
-              </a:rPr>
-              <a:t>Further refined (Model 5) by: Removing outliers; Scaling predictors; Log transforming price; Adding bedrooms feature</a:t>
+              <a:t>To improve Model 4, we log-transformed the dependent variable, scaled the predictors, removed outliers, and included bedrooms (correlation with price: 0.31) as additional feature.</a:t>
             </a:r>
             <a:br>
               <a:rPr lang="en" sz="1400" dirty="0">
@@ -20341,7 +20103,7 @@
               <a:buNone/>
             </a:pPr>
             <a:r>
-              <a:rPr lang="en" sz="1400" b="1" dirty="0">
+              <a:rPr lang="en" sz="1400" dirty="0">
                 <a:solidFill>
                   <a:srgbClr val="000000"/>
                 </a:solidFill>
@@ -20350,10 +20112,10 @@
                 <a:cs typeface="Arial"/>
                 <a:sym typeface="Arial"/>
               </a:rPr>
-              <a:t>Outcome: </a:t>
+              <a:t>Model 5 demonstrated the </a:t>
             </a:r>
             <a:r>
-              <a:rPr lang="en" sz="1400" dirty="0">
+              <a:rPr lang="en" sz="1400" b="1" dirty="0">
                 <a:solidFill>
                   <a:srgbClr val="000000"/>
                 </a:solidFill>
@@ -20362,7 +20124,43 @@
                 <a:cs typeface="Arial"/>
                 <a:sym typeface="Arial"/>
               </a:rPr>
-              <a:t>Model 5 demonstrated the highest accuracy and explanatory power, ensuring a robust and reliable linear regression model for predicting house prices.</a:t>
+              <a:t>highest accuracy </a:t>
+            </a:r>
+            <a:r>
+              <a:rPr lang="en" sz="1400" dirty="0">
+                <a:solidFill>
+                  <a:srgbClr val="000000"/>
+                </a:solidFill>
+                <a:latin typeface="Nunito" pitchFamily="2" charset="0"/>
+                <a:ea typeface="Arial"/>
+                <a:cs typeface="Arial"/>
+                <a:sym typeface="Arial"/>
+              </a:rPr>
+              <a:t>(lowest MAE &amp; MSE) and </a:t>
+            </a:r>
+            <a:r>
+              <a:rPr lang="en" sz="1400" b="1" dirty="0">
+                <a:solidFill>
+                  <a:srgbClr val="000000"/>
+                </a:solidFill>
+                <a:latin typeface="Nunito" pitchFamily="2" charset="0"/>
+                <a:ea typeface="Arial"/>
+                <a:cs typeface="Arial"/>
+                <a:sym typeface="Arial"/>
+              </a:rPr>
+              <a:t>highest explanatory power </a:t>
+            </a:r>
+            <a:r>
+              <a:rPr lang="en" sz="1400" dirty="0">
+                <a:solidFill>
+                  <a:srgbClr val="000000"/>
+                </a:solidFill>
+                <a:latin typeface="Nunito" pitchFamily="2" charset="0"/>
+                <a:ea typeface="Arial"/>
+                <a:cs typeface="Arial"/>
+                <a:sym typeface="Arial"/>
+              </a:rPr>
+              <a:t>(R2), ensuring a more robust and reliable linear regression model.</a:t>
             </a:r>
             <a:endParaRPr sz="1400" b="1" dirty="0">
               <a:solidFill>
